--- a/BetterConfig/unfinished_project/KlipperLCD/TX_screen_pic/Pic_PPT.pptx
+++ b/BetterConfig/unfinished_project/KlipperLCD/TX_screen_pic/Pic_PPT.pptx
@@ -7833,7 +7833,7 @@
               <a:avLst/>
             </a:prstGeom>
             <a:solidFill>
-              <a:srgbClr val="607249"/>
+              <a:srgbClr val="404040"/>
             </a:solidFill>
           </p:spPr>
           <p:style>
@@ -7998,7 +7998,7 @@
               <a:avLst/>
             </a:prstGeom>
             <a:solidFill>
-              <a:srgbClr val="607249"/>
+              <a:srgbClr val="404040"/>
             </a:solidFill>
             <a:ln>
               <a:noFill/>
@@ -8049,6 +8049,9 @@
             <a:chOff x="1791773" y="2440546"/>
             <a:chExt cx="1171977" cy="1171977"/>
           </a:xfrm>
+          <a:solidFill>
+            <a:srgbClr val="404040"/>
+          </a:solidFill>
         </p:grpSpPr>
         <p:sp>
           <p:nvSpPr>
@@ -8070,9 +8073,7 @@
             <a:prstGeom prst="roundRect">
               <a:avLst/>
             </a:prstGeom>
-            <a:solidFill>
-              <a:srgbClr val="607249"/>
-            </a:solidFill>
+            <a:grpFill/>
           </p:spPr>
           <p:style>
             <a:lnRef idx="2">
@@ -8121,6 +8122,7 @@
             <a:prstGeom prst="straightConnector1">
               <a:avLst/>
             </a:prstGeom>
+            <a:grpFill/>
             <a:ln w="123825" cap="rnd">
               <a:solidFill>
                 <a:schemeClr val="bg1">
@@ -8168,7 +8170,7 @@
             <a:avLst/>
           </a:prstGeom>
           <a:solidFill>
-            <a:srgbClr val="607249"/>
+            <a:srgbClr val="404040"/>
           </a:solidFill>
         </p:spPr>
         <p:style>
@@ -8227,7 +8229,7 @@
             <a:avLst/>
           </a:prstGeom>
           <a:solidFill>
-            <a:srgbClr val="607249"/>
+            <a:srgbClr val="404040"/>
           </a:solidFill>
         </p:spPr>
         <p:style>
@@ -8286,7 +8288,7 @@
             <a:avLst/>
           </a:prstGeom>
           <a:solidFill>
-            <a:srgbClr val="607249"/>
+            <a:srgbClr val="404040"/>
           </a:solidFill>
         </p:spPr>
         <p:style>
@@ -8345,7 +8347,7 @@
             <a:avLst/>
           </a:prstGeom>
           <a:solidFill>
-            <a:srgbClr val="607249"/>
+            <a:srgbClr val="404040"/>
           </a:solidFill>
         </p:spPr>
         <p:style>
@@ -8404,7 +8406,7 @@
             <a:avLst/>
           </a:prstGeom>
           <a:solidFill>
-            <a:srgbClr val="607249"/>
+            <a:srgbClr val="404040"/>
           </a:solidFill>
         </p:spPr>
         <p:style>
@@ -8456,7 +8458,7 @@
         </p:nvGrpSpPr>
         <p:grpSpPr>
           <a:xfrm>
-            <a:off x="5383725" y="2355859"/>
+            <a:off x="5464454" y="1669200"/>
             <a:ext cx="2415183" cy="1171977"/>
             <a:chOff x="5995951" y="821322"/>
             <a:chExt cx="2415183" cy="1171977"/>
@@ -8483,7 +8485,7 @@
               <a:avLst/>
             </a:prstGeom>
             <a:solidFill>
-              <a:srgbClr val="607249"/>
+              <a:srgbClr val="404040"/>
             </a:solidFill>
           </p:spPr>
           <p:style>
@@ -8658,7 +8660,7 @@
               <a:avLst/>
             </a:prstGeom>
             <a:solidFill>
-              <a:srgbClr val="607249"/>
+              <a:srgbClr val="404040"/>
             </a:solidFill>
             <a:ln>
               <a:noFill/>
@@ -8685,7 +8687,7 @@
             <a:lstStyle/>
             <a:p>
               <a:pPr algn="ctr"/>
-              <a:endParaRPr lang="zh-TW" altLang="en-US"/>
+              <a:endParaRPr lang="zh-TW" altLang="en-US" dirty="0"/>
             </a:p>
           </p:txBody>
         </p:sp>
@@ -8704,7 +8706,7 @@
         </p:nvGrpSpPr>
         <p:grpSpPr>
           <a:xfrm>
-            <a:off x="5383726" y="3630060"/>
+            <a:off x="5464455" y="2943401"/>
             <a:ext cx="1823513" cy="1171977"/>
             <a:chOff x="5995952" y="2095523"/>
             <a:chExt cx="1823513" cy="1171977"/>
@@ -8731,7 +8733,7 @@
               <a:avLst/>
             </a:prstGeom>
             <a:solidFill>
-              <a:srgbClr val="607249"/>
+              <a:srgbClr val="404040"/>
             </a:solidFill>
           </p:spPr>
           <p:style>
@@ -8926,7 +8928,7 @@
                 <a:avLst/>
               </a:prstGeom>
               <a:solidFill>
-                <a:srgbClr val="607249"/>
+                <a:srgbClr val="404040"/>
               </a:solidFill>
               <a:ln>
                 <a:noFill/>
@@ -8953,7 +8955,7 @@
               <a:lstStyle/>
               <a:p>
                 <a:pPr algn="ctr"/>
-                <a:endParaRPr lang="zh-TW" altLang="en-US"/>
+                <a:endParaRPr lang="zh-TW" altLang="en-US" dirty="0"/>
               </a:p>
             </p:txBody>
           </p:sp>
@@ -8973,7 +8975,7 @@
         </p:nvGrpSpPr>
         <p:grpSpPr>
           <a:xfrm>
-            <a:off x="5383726" y="4926799"/>
+            <a:off x="5428461" y="4195553"/>
             <a:ext cx="1823513" cy="1171977"/>
             <a:chOff x="5995952" y="3392262"/>
             <a:chExt cx="1823513" cy="1171977"/>
@@ -9000,7 +9002,7 @@
               <a:avLst/>
             </a:prstGeom>
             <a:solidFill>
-              <a:srgbClr val="607249"/>
+              <a:srgbClr val="404040"/>
             </a:solidFill>
           </p:spPr>
           <p:style>
@@ -9175,7 +9177,7 @@
               <a:avLst/>
             </a:prstGeom>
             <a:solidFill>
-              <a:srgbClr val="607249"/>
+              <a:srgbClr val="404040"/>
             </a:solidFill>
             <a:ln>
               <a:noFill/>
@@ -9202,7 +9204,7 @@
             <a:lstStyle/>
             <a:p>
               <a:pPr algn="ctr"/>
-              <a:endParaRPr lang="zh-TW" altLang="en-US"/>
+              <a:endParaRPr lang="zh-TW" altLang="en-US" dirty="0"/>
             </a:p>
           </p:txBody>
         </p:sp>
@@ -9668,7 +9670,7 @@
               <a:avLst/>
             </a:prstGeom>
             <a:solidFill>
-              <a:srgbClr val="607249"/>
+              <a:srgbClr val="404040"/>
             </a:solidFill>
           </p:spPr>
           <p:style>
@@ -9833,7 +9835,7 @@
               <a:avLst/>
             </a:prstGeom>
             <a:solidFill>
-              <a:srgbClr val="607249"/>
+              <a:srgbClr val="404040"/>
             </a:solidFill>
             <a:ln>
               <a:noFill/>
@@ -9886,7 +9888,7 @@
             <a:avLst/>
           </a:prstGeom>
           <a:solidFill>
-            <a:srgbClr val="607249"/>
+            <a:srgbClr val="404040"/>
           </a:solidFill>
         </p:spPr>
         <p:style>
@@ -9911,13 +9913,13 @@
           <a:p>
             <a:pPr algn="ctr"/>
             <a:r>
-              <a:rPr lang="en-US" altLang="zh-TW" sz="4400" dirty="0">
+              <a:rPr lang="en-US" altLang="zh-TW" sz="4000" dirty="0">
                 <a:latin typeface="Itim" panose="00000500000000000000" pitchFamily="2" charset="-34"/>
                 <a:cs typeface="Itim" panose="00000500000000000000" pitchFamily="2" charset="-34"/>
               </a:rPr>
               <a:t>LOAD</a:t>
             </a:r>
-            <a:endParaRPr lang="zh-TW" altLang="en-US" sz="4400" dirty="0">
+            <a:endParaRPr lang="zh-TW" altLang="en-US" sz="4000" dirty="0">
               <a:latin typeface="Itim" panose="00000500000000000000" pitchFamily="2" charset="-34"/>
               <a:cs typeface="Itim" panose="00000500000000000000" pitchFamily="2" charset="-34"/>
             </a:endParaRPr>
@@ -9945,7 +9947,7 @@
             <a:avLst/>
           </a:prstGeom>
           <a:solidFill>
-            <a:srgbClr val="607249"/>
+            <a:srgbClr val="404040"/>
           </a:solidFill>
         </p:spPr>
         <p:style>
@@ -9970,13 +9972,13 @@
           <a:p>
             <a:pPr algn="ctr"/>
             <a:r>
-              <a:rPr lang="en-US" altLang="zh-TW" sz="4400" dirty="0">
+              <a:rPr lang="en-US" altLang="zh-TW" sz="4000" dirty="0">
                 <a:latin typeface="Itim" panose="00000500000000000000" pitchFamily="2" charset="-34"/>
                 <a:cs typeface="Itim" panose="00000500000000000000" pitchFamily="2" charset="-34"/>
               </a:rPr>
               <a:t>UNLOAD</a:t>
             </a:r>
-            <a:endParaRPr lang="zh-TW" altLang="en-US" sz="4400" dirty="0">
+            <a:endParaRPr lang="zh-TW" altLang="en-US" sz="4000" dirty="0">
               <a:latin typeface="Itim" panose="00000500000000000000" pitchFamily="2" charset="-34"/>
               <a:cs typeface="Itim" panose="00000500000000000000" pitchFamily="2" charset="-34"/>
             </a:endParaRPr>
@@ -9997,11 +9999,14 @@
         </p:nvGrpSpPr>
         <p:grpSpPr>
           <a:xfrm>
-            <a:off x="1568869" y="3578348"/>
+            <a:off x="519464" y="3578254"/>
             <a:ext cx="1171977" cy="1171977"/>
             <a:chOff x="1568869" y="3578348"/>
             <a:chExt cx="1171977" cy="1171977"/>
           </a:xfrm>
+          <a:solidFill>
+            <a:srgbClr val="404040"/>
+          </a:solidFill>
         </p:grpSpPr>
         <p:grpSp>
           <p:nvGrpSpPr>
@@ -10022,6 +10027,7 @@
               <a:chOff x="8338971" y="3748807"/>
               <a:chExt cx="1171977" cy="1171977"/>
             </a:xfrm>
+            <a:grpFill/>
           </p:grpSpPr>
           <p:sp>
             <p:nvSpPr>
@@ -10043,9 +10049,7 @@
               <a:prstGeom prst="roundRect">
                 <a:avLst/>
               </a:prstGeom>
-              <a:solidFill>
-                <a:srgbClr val="607249"/>
-              </a:solidFill>
+              <a:grpFill/>
             </p:spPr>
             <p:style>
               <a:lnRef idx="2">
@@ -10094,6 +10098,7 @@
               <a:prstGeom prst="line">
                 <a:avLst/>
               </a:prstGeom>
+              <a:grpFill/>
               <a:ln w="34925" cap="rnd">
                 <a:solidFill>
                   <a:schemeClr val="bg1">
@@ -10140,6 +10145,7 @@
               <a:prstGeom prst="line">
                 <a:avLst/>
               </a:prstGeom>
+              <a:grpFill/>
               <a:ln w="34925" cap="rnd">
                 <a:solidFill>
                   <a:schemeClr val="bg1">
@@ -10186,6 +10192,7 @@
               <a:prstGeom prst="line">
                 <a:avLst/>
               </a:prstGeom>
+              <a:grpFill/>
               <a:ln w="34925" cap="rnd">
                 <a:solidFill>
                   <a:schemeClr val="bg1">
@@ -10232,6 +10239,7 @@
               <a:prstGeom prst="line">
                 <a:avLst/>
               </a:prstGeom>
+              <a:grpFill/>
               <a:ln w="34925" cap="rnd">
                 <a:solidFill>
                   <a:schemeClr val="bg1">
@@ -10278,6 +10286,7 @@
               <a:prstGeom prst="line">
                 <a:avLst/>
               </a:prstGeom>
+              <a:grpFill/>
               <a:ln w="34925" cap="rnd">
                 <a:solidFill>
                   <a:schemeClr val="bg1">
@@ -10324,6 +10333,7 @@
               <a:prstGeom prst="line">
                 <a:avLst/>
               </a:prstGeom>
+              <a:grpFill/>
               <a:ln w="34925" cap="rnd">
                 <a:solidFill>
                   <a:schemeClr val="bg1">
@@ -10370,6 +10380,7 @@
               <a:prstGeom prst="line">
                 <a:avLst/>
               </a:prstGeom>
+              <a:grpFill/>
               <a:ln w="34925" cap="rnd">
                 <a:solidFill>
                   <a:schemeClr val="bg1">
@@ -10416,6 +10427,7 @@
               <a:prstGeom prst="line">
                 <a:avLst/>
               </a:prstGeom>
+              <a:grpFill/>
               <a:ln w="34925" cap="rnd">
                 <a:solidFill>
                   <a:schemeClr val="bg1">
@@ -10462,6 +10474,7 @@
               <a:prstGeom prst="line">
                 <a:avLst/>
               </a:prstGeom>
+              <a:grpFill/>
               <a:ln w="34925" cap="rnd">
                 <a:solidFill>
                   <a:schemeClr val="bg1">
@@ -10508,6 +10521,7 @@
               <a:prstGeom prst="line">
                 <a:avLst/>
               </a:prstGeom>
+              <a:grpFill/>
               <a:ln w="34925" cap="rnd">
                 <a:solidFill>
                   <a:schemeClr val="bg1">
@@ -10554,6 +10568,7 @@
               <a:prstGeom prst="line">
                 <a:avLst/>
               </a:prstGeom>
+              <a:grpFill/>
               <a:ln w="34925" cap="rnd">
                 <a:solidFill>
                   <a:schemeClr val="bg1">
@@ -10598,7 +10613,7 @@
               <a:prstGeom prst="ellipse">
                 <a:avLst/>
               </a:prstGeom>
-              <a:noFill/>
+              <a:grpFill/>
               <a:ln>
                 <a:solidFill>
                   <a:schemeClr val="bg1">
@@ -10652,9 +10667,7 @@
               <a:prstGeom prst="can">
                 <a:avLst/>
               </a:prstGeom>
-              <a:solidFill>
-                <a:srgbClr val="607249"/>
-              </a:solidFill>
+              <a:grpFill/>
               <a:ln>
                 <a:solidFill>
                   <a:schemeClr val="bg1">
@@ -10711,6 +10724,7 @@
             <a:prstGeom prst="line">
               <a:avLst/>
             </a:prstGeom>
+            <a:grpFill/>
             <a:ln w="60325" cap="rnd">
               <a:solidFill>
                 <a:schemeClr val="bg1">
@@ -10750,14 +10764,14 @@
         </p:nvSpPr>
         <p:spPr>
           <a:xfrm>
-            <a:off x="8259862" y="352900"/>
+            <a:off x="1731342" y="3599270"/>
             <a:ext cx="3587160" cy="1171977"/>
           </a:xfrm>
           <a:prstGeom prst="roundRect">
             <a:avLst/>
           </a:prstGeom>
           <a:solidFill>
-            <a:srgbClr val="607249"/>
+            <a:srgbClr val="404040"/>
           </a:solidFill>
         </p:spPr>
         <p:style>
@@ -10816,7 +10830,7 @@
             <a:avLst/>
           </a:prstGeom>
           <a:solidFill>
-            <a:srgbClr val="607249"/>
+            <a:srgbClr val="404040"/>
           </a:solidFill>
         </p:spPr>
         <p:style>
@@ -10841,13 +10855,13 @@
           <a:p>
             <a:pPr algn="ctr"/>
             <a:r>
-              <a:rPr lang="en-US" altLang="zh-TW" sz="4800" dirty="0">
+              <a:rPr lang="en-US" altLang="zh-TW" sz="4000" dirty="0">
                 <a:latin typeface="Itim" panose="00000500000000000000" pitchFamily="2" charset="-34"/>
                 <a:cs typeface="Itim" panose="00000500000000000000" pitchFamily="2" charset="-34"/>
               </a:rPr>
               <a:t>Z_TILT</a:t>
             </a:r>
-            <a:endParaRPr lang="zh-TW" altLang="en-US" sz="4800" dirty="0">
+            <a:endParaRPr lang="zh-TW" altLang="en-US" sz="4000" dirty="0">
               <a:latin typeface="Itim" panose="00000500000000000000" pitchFamily="2" charset="-34"/>
               <a:cs typeface="Itim" panose="00000500000000000000" pitchFamily="2" charset="-34"/>
             </a:endParaRPr>
@@ -10875,7 +10889,7 @@
             <a:avLst/>
           </a:prstGeom>
           <a:solidFill>
-            <a:srgbClr val="607249"/>
+            <a:srgbClr val="404040"/>
           </a:solidFill>
         </p:spPr>
         <p:style>
@@ -10900,13 +10914,72 @@
           <a:p>
             <a:pPr algn="ctr"/>
             <a:r>
-              <a:rPr lang="en-US" altLang="zh-TW" sz="4400" dirty="0">
+              <a:rPr lang="en-US" altLang="zh-TW" sz="4000" dirty="0">
                 <a:latin typeface="Itim" panose="00000500000000000000" pitchFamily="2" charset="-34"/>
                 <a:cs typeface="Itim" panose="00000500000000000000" pitchFamily="2" charset="-34"/>
               </a:rPr>
               <a:t>PROBE_CALI</a:t>
             </a:r>
-            <a:endParaRPr lang="zh-TW" altLang="en-US" sz="4400" dirty="0">
+            <a:endParaRPr lang="zh-TW" altLang="en-US" sz="4000" dirty="0">
+              <a:latin typeface="Itim" panose="00000500000000000000" pitchFamily="2" charset="-34"/>
+              <a:cs typeface="Itim" panose="00000500000000000000" pitchFamily="2" charset="-34"/>
+            </a:endParaRPr>
+          </a:p>
+        </p:txBody>
+      </p:sp>
+      <p:sp>
+        <p:nvSpPr>
+          <p:cNvPr id="4" name="矩形: 圓角 3">
+            <a:extLst>
+              <a:ext uri="{FF2B5EF4-FFF2-40B4-BE49-F238E27FC236}">
+                <a16:creationId xmlns:a16="http://schemas.microsoft.com/office/drawing/2014/main" id="{3AB56FAC-E034-45C3-F5E1-9E54B5369A6F}"/>
+              </a:ext>
+            </a:extLst>
+          </p:cNvPr>
+          <p:cNvSpPr/>
+          <p:nvPr/>
+        </p:nvSpPr>
+        <p:spPr>
+          <a:xfrm>
+            <a:off x="8259862" y="341936"/>
+            <a:ext cx="3587160" cy="1171977"/>
+          </a:xfrm>
+          <a:prstGeom prst="roundRect">
+            <a:avLst/>
+          </a:prstGeom>
+          <a:solidFill>
+            <a:srgbClr val="404040"/>
+          </a:solidFill>
+        </p:spPr>
+        <p:style>
+          <a:lnRef idx="2">
+            <a:schemeClr val="accent1">
+              <a:shade val="15000"/>
+            </a:schemeClr>
+          </a:lnRef>
+          <a:fillRef idx="1">
+            <a:schemeClr val="accent1"/>
+          </a:fillRef>
+          <a:effectRef idx="0">
+            <a:schemeClr val="accent1"/>
+          </a:effectRef>
+          <a:fontRef idx="minor">
+            <a:schemeClr val="lt1"/>
+          </a:fontRef>
+        </p:style>
+        <p:txBody>
+          <a:bodyPr rtlCol="0" anchor="ctr"/>
+          <a:lstStyle/>
+          <a:p>
+            <a:pPr algn="ctr"/>
+            <a:r>
+              <a:rPr lang="en-US" altLang="zh-TW" sz="4000" dirty="0">
+                <a:latin typeface="Itim" panose="00000500000000000000" pitchFamily="2" charset="-34"/>
+                <a:cs typeface="Itim" panose="00000500000000000000" pitchFamily="2" charset="-34"/>
+              </a:rPr>
+              <a:t>SCREWS_TILT</a:t>
+            </a:r>
+            <a:endParaRPr lang="zh-TW" altLang="en-US" sz="4000" dirty="0">
               <a:latin typeface="Itim" panose="00000500000000000000" pitchFamily="2" charset="-34"/>
               <a:cs typeface="Itim" panose="00000500000000000000" pitchFamily="2" charset="-34"/>
             </a:endParaRPr>
